--- a/src/프로젝트/장동진/Placeres 작업현황.pptx
+++ b/src/프로젝트/장동진/Placeres 작업현황.pptx
@@ -406,11 +406,11 @@
         </c:dLbls>
         <c:gapWidth val="219"/>
         <c:overlap val="-27"/>
-        <c:axId val="784175680"/>
-        <c:axId val="784181120"/>
+        <c:axId val="309261712"/>
+        <c:axId val="309258448"/>
       </c:barChart>
       <c:catAx>
-        <c:axId val="784175680"/>
+        <c:axId val="309261712"/>
         <c:scaling>
           <c:orientation val="minMax"/>
         </c:scaling>
@@ -453,7 +453,7 @@
             <a:endParaRPr lang="ko-KR"/>
           </a:p>
         </c:txPr>
-        <c:crossAx val="784181120"/>
+        <c:crossAx val="309258448"/>
         <c:crosses val="autoZero"/>
         <c:auto val="1"/>
         <c:lblAlgn val="ctr"/>
@@ -461,7 +461,7 @@
         <c:noMultiLvlLbl val="0"/>
       </c:catAx>
       <c:valAx>
-        <c:axId val="784181120"/>
+        <c:axId val="309258448"/>
         <c:scaling>
           <c:orientation val="minMax"/>
           <c:max val="1"/>
@@ -514,7 +514,7 @@
             <a:endParaRPr lang="ko-KR"/>
           </a:p>
         </c:txPr>
-        <c:crossAx val="784175680"/>
+        <c:crossAx val="309261712"/>
         <c:crosses val="autoZero"/>
         <c:crossBetween val="between"/>
       </c:valAx>
@@ -1178,7 +1178,7 @@
           <a:p>
             <a:fld id="{F1FE0931-50DD-47BE-B09E-A7E538225212}" type="datetimeFigureOut">
               <a:rPr lang="ko-KR" altLang="en-US" smtClean="0"/>
-              <a:t>2020-11-07</a:t>
+              <a:t>2020-11-08</a:t>
             </a:fld>
             <a:endParaRPr lang="ko-KR" altLang="en-US"/>
           </a:p>
@@ -1963,7 +1963,7 @@
           <a:p>
             <a:fld id="{F8166F1F-CE9B-4651-A6AA-CD717754106B}" type="datetimeFigureOut">
               <a:rPr lang="en-US" smtClean="0"/>
-              <a:t>11/7/2020</a:t>
+              <a:t>11/8/2020</a:t>
             </a:fld>
             <a:endParaRPr lang="en-US"/>
           </a:p>
@@ -2128,7 +2128,7 @@
           <a:p>
             <a:fld id="{A76116CE-C4A3-4A05-B2D7-7C2E9A889C0F}" type="datetimeFigureOut">
               <a:rPr lang="en-US" smtClean="0"/>
-              <a:t>11/7/2020</a:t>
+              <a:t>11/8/2020</a:t>
             </a:fld>
             <a:endParaRPr lang="en-US"/>
           </a:p>
@@ -2303,7 +2303,7 @@
           <a:p>
             <a:fld id="{A76116CE-C4A3-4A05-B2D7-7C2E9A889C0F}" type="datetimeFigureOut">
               <a:rPr lang="en-US" smtClean="0"/>
-              <a:t>11/7/2020</a:t>
+              <a:t>11/8/2020</a:t>
             </a:fld>
             <a:endParaRPr lang="en-US"/>
           </a:p>
@@ -2470,7 +2470,7 @@
           <a:p>
             <a:fld id="{A76116CE-C4A3-4A05-B2D7-7C2E9A889C0F}" type="datetimeFigureOut">
               <a:rPr lang="en-US" smtClean="0"/>
-              <a:t>11/7/2020</a:t>
+              <a:t>11/8/2020</a:t>
             </a:fld>
             <a:endParaRPr lang="en-US"/>
           </a:p>
@@ -2711,7 +2711,7 @@
           <a:p>
             <a:fld id="{A76116CE-C4A3-4A05-B2D7-7C2E9A889C0F}" type="datetimeFigureOut">
               <a:rPr lang="en-US" smtClean="0"/>
-              <a:t>11/7/2020</a:t>
+              <a:t>11/8/2020</a:t>
             </a:fld>
             <a:endParaRPr lang="en-US"/>
           </a:p>
@@ -2994,7 +2994,7 @@
           <a:p>
             <a:fld id="{A76116CE-C4A3-4A05-B2D7-7C2E9A889C0F}" type="datetimeFigureOut">
               <a:rPr lang="en-US" smtClean="0"/>
-              <a:t>11/7/2020</a:t>
+              <a:t>11/8/2020</a:t>
             </a:fld>
             <a:endParaRPr lang="en-US"/>
           </a:p>
@@ -3411,7 +3411,7 @@
           <a:p>
             <a:fld id="{A76116CE-C4A3-4A05-B2D7-7C2E9A889C0F}" type="datetimeFigureOut">
               <a:rPr lang="en-US" smtClean="0"/>
-              <a:t>11/7/2020</a:t>
+              <a:t>11/8/2020</a:t>
             </a:fld>
             <a:endParaRPr lang="en-US"/>
           </a:p>
@@ -3524,7 +3524,7 @@
           <a:p>
             <a:fld id="{A76116CE-C4A3-4A05-B2D7-7C2E9A889C0F}" type="datetimeFigureOut">
               <a:rPr lang="en-US" smtClean="0"/>
-              <a:t>11/7/2020</a:t>
+              <a:t>11/8/2020</a:t>
             </a:fld>
             <a:endParaRPr lang="en-US"/>
           </a:p>
@@ -3614,7 +3614,7 @@
           <a:p>
             <a:fld id="{A76116CE-C4A3-4A05-B2D7-7C2E9A889C0F}" type="datetimeFigureOut">
               <a:rPr lang="en-US" smtClean="0"/>
-              <a:t>11/7/2020</a:t>
+              <a:t>11/8/2020</a:t>
             </a:fld>
             <a:endParaRPr lang="en-US"/>
           </a:p>
@@ -3886,7 +3886,7 @@
           <a:p>
             <a:fld id="{A76116CE-C4A3-4A05-B2D7-7C2E9A889C0F}" type="datetimeFigureOut">
               <a:rPr lang="en-US" smtClean="0"/>
-              <a:t>11/7/2020</a:t>
+              <a:t>11/8/2020</a:t>
             </a:fld>
             <a:endParaRPr lang="en-US"/>
           </a:p>
@@ -4134,7 +4134,7 @@
           <a:p>
             <a:fld id="{A76116CE-C4A3-4A05-B2D7-7C2E9A889C0F}" type="datetimeFigureOut">
               <a:rPr lang="en-US" smtClean="0"/>
-              <a:t>11/7/2020</a:t>
+              <a:t>11/8/2020</a:t>
             </a:fld>
             <a:endParaRPr lang="en-US"/>
           </a:p>
@@ -4342,7 +4342,7 @@
           <a:p>
             <a:fld id="{F8166F1F-CE9B-4651-A6AA-CD717754106B}" type="datetimeFigureOut">
               <a:rPr lang="en-US" smtClean="0"/>
-              <a:t>11/7/2020</a:t>
+              <a:t>11/8/2020</a:t>
             </a:fld>
             <a:endParaRPr lang="en-US"/>
           </a:p>
@@ -5327,6 +5327,13 @@
               </a:rPr>
               <a:t>예약</a:t>
             </a:r>
+            <a:r>
+              <a:rPr lang="en-US" altLang="ko-KR" sz="3000" dirty="0" smtClean="0">
+                <a:latin typeface="HY견고딕" panose="02030600000101010101" pitchFamily="18" charset="-127"/>
+                <a:ea typeface="HY견고딕" panose="02030600000101010101" pitchFamily="18" charset="-127"/>
+              </a:rPr>
+              <a:t>						50%</a:t>
+            </a:r>
             <a:endParaRPr lang="en-US" altLang="ko-KR" sz="3000" dirty="0">
               <a:latin typeface="HY견고딕" panose="02030600000101010101" pitchFamily="18" charset="-127"/>
               <a:ea typeface="HY견고딕" panose="02030600000101010101" pitchFamily="18" charset="-127"/>
@@ -5384,6 +5391,13 @@
               </a:rPr>
               <a:t>예약</a:t>
             </a:r>
+            <a:r>
+              <a:rPr lang="en-US" altLang="ko-KR" sz="3000" dirty="0" smtClean="0">
+                <a:latin typeface="HY견고딕" panose="02030600000101010101" pitchFamily="18" charset="-127"/>
+                <a:ea typeface="HY견고딕" panose="02030600000101010101" pitchFamily="18" charset="-127"/>
+              </a:rPr>
+              <a:t>					50%</a:t>
+            </a:r>
             <a:endParaRPr lang="en-US" altLang="ko-KR" sz="3000" dirty="0">
               <a:latin typeface="HY견고딕" panose="02030600000101010101" pitchFamily="18" charset="-127"/>
               <a:ea typeface="HY견고딕" panose="02030600000101010101" pitchFamily="18" charset="-127"/>
@@ -5439,8 +5453,26 @@
                 <a:latin typeface="HY견고딕" panose="02030600000101010101" pitchFamily="18" charset="-127"/>
                 <a:ea typeface="HY견고딕" panose="02030600000101010101" pitchFamily="18" charset="-127"/>
               </a:rPr>
-              <a:t> 위치 설정</a:t>
-            </a:r>
+              <a:t> 위치 </a:t>
+            </a:r>
+            <a:r>
+              <a:rPr lang="ko-KR" altLang="en-US" sz="3000" dirty="0" smtClean="0">
+                <a:latin typeface="HY견고딕" panose="02030600000101010101" pitchFamily="18" charset="-127"/>
+                <a:ea typeface="HY견고딕" panose="02030600000101010101" pitchFamily="18" charset="-127"/>
+              </a:rPr>
+              <a:t>설정</a:t>
+            </a:r>
+            <a:r>
+              <a:rPr lang="en-US" altLang="ko-KR" sz="3000" dirty="0" smtClean="0">
+                <a:latin typeface="HY견고딕" panose="02030600000101010101" pitchFamily="18" charset="-127"/>
+                <a:ea typeface="HY견고딕" panose="02030600000101010101" pitchFamily="18" charset="-127"/>
+              </a:rPr>
+              <a:t>					80%</a:t>
+            </a:r>
+            <a:endParaRPr lang="ko-KR" altLang="en-US" sz="3000" dirty="0">
+              <a:latin typeface="HY견고딕" panose="02030600000101010101" pitchFamily="18" charset="-127"/>
+              <a:ea typeface="HY견고딕" panose="02030600000101010101" pitchFamily="18" charset="-127"/>
+            </a:endParaRPr>
           </a:p>
         </p:txBody>
       </p:sp>
@@ -5834,11 +5866,18 @@
               <a:t>유저 페이지 </a:t>
             </a:r>
             <a:r>
-              <a:rPr lang="ko-KR" altLang="en-US" sz="3000" dirty="0">
+              <a:rPr lang="ko-KR" altLang="en-US" sz="3000" dirty="0" smtClean="0">
                 <a:latin typeface="HY견고딕" panose="02030600000101010101" pitchFamily="18" charset="-127"/>
                 <a:ea typeface="HY견고딕" panose="02030600000101010101" pitchFamily="18" charset="-127"/>
               </a:rPr>
               <a:t>리스트</a:t>
+            </a:r>
+            <a:r>
+              <a:rPr lang="en-US" altLang="ko-KR" sz="3000" dirty="0" smtClean="0">
+                <a:latin typeface="HY견고딕" panose="02030600000101010101" pitchFamily="18" charset="-127"/>
+                <a:ea typeface="HY견고딕" panose="02030600000101010101" pitchFamily="18" charset="-127"/>
+              </a:rPr>
+              <a:t>					50%</a:t>
             </a:r>
             <a:endParaRPr lang="en-US" altLang="ko-KR" sz="3000" dirty="0">
               <a:latin typeface="HY견고딕" panose="02030600000101010101" pitchFamily="18" charset="-127"/>
@@ -5898,12 +5937,19 @@
               <a:t>·  </a:t>
             </a:r>
             <a:r>
-              <a:rPr lang="ko-KR" altLang="en-US" sz="3000" dirty="0">
+              <a:rPr lang="ko-KR" altLang="en-US" sz="3000" dirty="0" smtClean="0">
                 <a:latin typeface="HY견고딕" panose="02030600000101010101" pitchFamily="18" charset="-127"/>
                 <a:ea typeface="HY견고딕" panose="02030600000101010101" pitchFamily="18" charset="-127"/>
               </a:rPr>
               <a:t>리스트</a:t>
             </a:r>
+            <a:r>
+              <a:rPr lang="en-US" altLang="ko-KR" sz="3000" dirty="0" smtClean="0">
+                <a:latin typeface="HY견고딕" panose="02030600000101010101" pitchFamily="18" charset="-127"/>
+                <a:ea typeface="HY견고딕" panose="02030600000101010101" pitchFamily="18" charset="-127"/>
+              </a:rPr>
+              <a:t>		60%</a:t>
+            </a:r>
             <a:endParaRPr lang="en-US" altLang="ko-KR" sz="3000" dirty="0">
               <a:latin typeface="HY견고딕" panose="02030600000101010101" pitchFamily="18" charset="-127"/>
               <a:ea typeface="HY견고딕" panose="02030600000101010101" pitchFamily="18" charset="-127"/>
@@ -5920,7 +5966,7 @@
         <p:spPr>
           <a:xfrm>
             <a:off x="5569498" y="7274702"/>
-            <a:ext cx="10051502" cy="553998"/>
+            <a:ext cx="10051502" cy="1015663"/>
           </a:xfrm>
           <a:prstGeom prst="rect">
             <a:avLst/>
@@ -5948,11 +5994,18 @@
               <a:t>서버 </a:t>
             </a:r>
             <a:r>
-              <a:rPr lang="ko-KR" altLang="en-US" sz="3000" dirty="0" err="1">
+              <a:rPr lang="ko-KR" altLang="en-US" sz="3000" dirty="0" err="1" smtClean="0">
                 <a:latin typeface="HY견고딕" panose="02030600000101010101" pitchFamily="18" charset="-127"/>
                 <a:ea typeface="HY견고딕" panose="02030600000101010101" pitchFamily="18" charset="-127"/>
               </a:rPr>
               <a:t>세팅</a:t>
+            </a:r>
+            <a:r>
+              <a:rPr lang="en-US" altLang="ko-KR" sz="3000" dirty="0" smtClean="0">
+                <a:latin typeface="HY견고딕" panose="02030600000101010101" pitchFamily="18" charset="-127"/>
+                <a:ea typeface="HY견고딕" panose="02030600000101010101" pitchFamily="18" charset="-127"/>
+              </a:rPr>
+              <a:t>							85%							</a:t>
             </a:r>
             <a:endParaRPr lang="ko-KR" altLang="en-US" sz="3000" dirty="0">
               <a:latin typeface="HY견고딕" panose="02030600000101010101" pitchFamily="18" charset="-127"/>
@@ -6425,7 +6478,21 @@
                 <a:latin typeface="HY견고딕" panose="02030600000101010101" pitchFamily="18" charset="-127"/>
                 <a:ea typeface="HY견고딕" panose="02030600000101010101" pitchFamily="18" charset="-127"/>
               </a:rPr>
-              <a:t>회원 관리</a:t>
+              <a:t>회원 </a:t>
+            </a:r>
+            <a:r>
+              <a:rPr lang="ko-KR" altLang="en-US" sz="3000" dirty="0" smtClean="0">
+                <a:latin typeface="HY견고딕" panose="02030600000101010101" pitchFamily="18" charset="-127"/>
+                <a:ea typeface="HY견고딕" panose="02030600000101010101" pitchFamily="18" charset="-127"/>
+              </a:rPr>
+              <a:t>관리</a:t>
+            </a:r>
+            <a:r>
+              <a:rPr lang="en-US" altLang="ko-KR" sz="3000" dirty="0" smtClean="0">
+                <a:latin typeface="HY견고딕" panose="02030600000101010101" pitchFamily="18" charset="-127"/>
+                <a:ea typeface="HY견고딕" panose="02030600000101010101" pitchFamily="18" charset="-127"/>
+              </a:rPr>
+              <a:t>					70%</a:t>
             </a:r>
             <a:endParaRPr lang="en-US" altLang="ko-KR" sz="3000" dirty="0">
               <a:latin typeface="HY견고딕" panose="02030600000101010101" pitchFamily="18" charset="-127"/>
@@ -6475,7 +6542,21 @@
                 <a:latin typeface="HY견고딕" panose="02030600000101010101" pitchFamily="18" charset="-127"/>
                 <a:ea typeface="HY견고딕" panose="02030600000101010101" pitchFamily="18" charset="-127"/>
               </a:rPr>
-              <a:t>관리자 페이지 회원 관리</a:t>
+              <a:t>관리자 페이지 회원 </a:t>
+            </a:r>
+            <a:r>
+              <a:rPr lang="ko-KR" altLang="en-US" sz="3000" dirty="0" smtClean="0">
+                <a:latin typeface="HY견고딕" panose="02030600000101010101" pitchFamily="18" charset="-127"/>
+                <a:ea typeface="HY견고딕" panose="02030600000101010101" pitchFamily="18" charset="-127"/>
+              </a:rPr>
+              <a:t>관리</a:t>
+            </a:r>
+            <a:r>
+              <a:rPr lang="en-US" altLang="ko-KR" sz="3000" dirty="0" smtClean="0">
+                <a:latin typeface="HY견고딕" panose="02030600000101010101" pitchFamily="18" charset="-127"/>
+                <a:ea typeface="HY견고딕" panose="02030600000101010101" pitchFamily="18" charset="-127"/>
+              </a:rPr>
+              <a:t>				60%</a:t>
             </a:r>
             <a:endParaRPr lang="en-US" altLang="ko-KR" sz="3000" dirty="0">
               <a:latin typeface="HY견고딕" panose="02030600000101010101" pitchFamily="18" charset="-127"/>
@@ -6535,11 +6616,18 @@
               <a:t> 개발환경 </a:t>
             </a:r>
             <a:r>
-              <a:rPr lang="ko-KR" altLang="en-US" sz="3000" dirty="0" err="1">
+              <a:rPr lang="ko-KR" altLang="en-US" sz="3000" dirty="0" err="1" smtClean="0">
                 <a:latin typeface="HY견고딕" panose="02030600000101010101" pitchFamily="18" charset="-127"/>
                 <a:ea typeface="HY견고딕" panose="02030600000101010101" pitchFamily="18" charset="-127"/>
               </a:rPr>
               <a:t>세팅</a:t>
+            </a:r>
+            <a:r>
+              <a:rPr lang="en-US" altLang="ko-KR" sz="3000" dirty="0" smtClean="0">
+                <a:latin typeface="HY견고딕" panose="02030600000101010101" pitchFamily="18" charset="-127"/>
+                <a:ea typeface="HY견고딕" panose="02030600000101010101" pitchFamily="18" charset="-127"/>
+              </a:rPr>
+              <a:t>				80%</a:t>
             </a:r>
             <a:endParaRPr lang="ko-KR" altLang="en-US" sz="3000" dirty="0">
               <a:latin typeface="HY견고딕" panose="02030600000101010101" pitchFamily="18" charset="-127"/>
@@ -6936,13 +7024,13 @@
   <p:clrMapOvr>
     <a:masterClrMapping/>
   </p:clrMapOvr>
-  <mc:AlternateContent xmlns:mc="http://schemas.openxmlformats.org/markup-compatibility/2006">
-    <mc:Choice xmlns:p14="http://schemas.microsoft.com/office/powerpoint/2010/main" Requires="p14">
+  <mc:AlternateContent xmlns:mc="http://schemas.openxmlformats.org/markup-compatibility/2006" xmlns:p14="http://schemas.microsoft.com/office/powerpoint/2010/main">
+    <mc:Choice Requires="p14">
       <p:transition spd="slow" p14:dur="1500">
         <p:wipe dir="r"/>
       </p:transition>
     </mc:Choice>
-    <mc:Fallback>
+    <mc:Fallback xmlns="">
       <p:transition spd="slow">
         <p:wipe dir="r"/>
       </p:transition>
